--- a/presentation/suivi/20201118.pptx
+++ b/presentation/suivi/20201118.pptx
@@ -5,7 +5,12 @@
     <p:sldMasterId id="2147483648" r:id="rId1"/>
   </p:sldMasterIdLst>
   <p:sldIdLst>
-    <p:sldId id="256" r:id="rId2"/>
+    <p:sldId id="258" r:id="rId2"/>
+    <p:sldId id="259" r:id="rId3"/>
+    <p:sldId id="257" r:id="rId4"/>
+    <p:sldId id="260" r:id="rId5"/>
+    <p:sldId id="261" r:id="rId6"/>
+    <p:sldId id="262" r:id="rId7"/>
   </p:sldIdLst>
   <p:sldSz cx="12192000" cy="6858000"/>
   <p:notesSz cx="6858000" cy="9144000"/>
@@ -3326,55 +3331,968 @@
           <p:cNvPr id="2" name="Titre 1">
             <a:extLst>
               <a:ext uri="{FF2B5EF4-FFF2-40B4-BE49-F238E27FC236}">
-                <a16:creationId xmlns:a16="http://schemas.microsoft.com/office/drawing/2014/main" id="{5DF8D748-5C2A-4241-96F4-9157DC8217B1}"/>
-              </a:ext>
-            </a:extLst>
-          </p:cNvPr>
-          <p:cNvSpPr>
-            <a:spLocks noGrp="1"/>
-          </p:cNvSpPr>
-          <p:nvPr>
-            <p:ph type="ctrTitle"/>
-          </p:nvPr>
-        </p:nvSpPr>
-        <p:spPr/>
-        <p:txBody>
-          <a:bodyPr/>
-          <a:lstStyle/>
-          <a:p>
-            <a:endParaRPr lang="fr-FR"/>
-          </a:p>
-        </p:txBody>
-      </p:sp>
-      <p:sp>
-        <p:nvSpPr>
-          <p:cNvPr id="3" name="Sous-titre 2">
-            <a:extLst>
-              <a:ext uri="{FF2B5EF4-FFF2-40B4-BE49-F238E27FC236}">
-                <a16:creationId xmlns:a16="http://schemas.microsoft.com/office/drawing/2014/main" id="{E649314E-0BE9-0F4F-A414-EC60C7A04EED}"/>
-              </a:ext>
-            </a:extLst>
-          </p:cNvPr>
-          <p:cNvSpPr>
-            <a:spLocks noGrp="1"/>
-          </p:cNvSpPr>
-          <p:nvPr>
-            <p:ph type="subTitle" idx="1"/>
-          </p:nvPr>
-        </p:nvSpPr>
-        <p:spPr/>
-        <p:txBody>
-          <a:bodyPr/>
-          <a:lstStyle/>
-          <a:p>
-            <a:endParaRPr lang="fr-FR"/>
-          </a:p>
-        </p:txBody>
-      </p:sp>
+                <a16:creationId xmlns:a16="http://schemas.microsoft.com/office/drawing/2014/main" id="{7DC42D99-2BA4-3142-95F0-A64993904D38}"/>
+              </a:ext>
+            </a:extLst>
+          </p:cNvPr>
+          <p:cNvSpPr>
+            <a:spLocks noGrp="1"/>
+          </p:cNvSpPr>
+          <p:nvPr>
+            <p:ph type="title"/>
+          </p:nvPr>
+        </p:nvSpPr>
+        <p:spPr/>
+        <p:txBody>
+          <a:bodyPr/>
+          <a:lstStyle/>
+          <a:p>
+            <a:r>
+              <a:rPr lang="fr-FR" dirty="0"/>
+              <a:t>Normalisation des données</a:t>
+            </a:r>
+          </a:p>
+        </p:txBody>
+      </p:sp>
+      <p:pic>
+        <p:nvPicPr>
+          <p:cNvPr id="4" name="Espace réservé du contenu 3">
+            <a:extLst>
+              <a:ext uri="{FF2B5EF4-FFF2-40B4-BE49-F238E27FC236}">
+                <a16:creationId xmlns:a16="http://schemas.microsoft.com/office/drawing/2014/main" id="{7DA72ABD-3898-D14B-AD46-976F12BEB4E6}"/>
+              </a:ext>
+            </a:extLst>
+          </p:cNvPr>
+          <p:cNvPicPr>
+            <a:picLocks noGrp="1" noChangeAspect="1"/>
+          </p:cNvPicPr>
+          <p:nvPr>
+            <p:ph idx="1"/>
+          </p:nvPr>
+        </p:nvPicPr>
+        <p:blipFill>
+          <a:blip r:embed="rId2"/>
+          <a:stretch>
+            <a:fillRect/>
+          </a:stretch>
+        </p:blipFill>
+        <p:spPr>
+          <a:xfrm>
+            <a:off x="838200" y="2643179"/>
+            <a:ext cx="4838700" cy="3086100"/>
+          </a:xfrm>
+          <a:prstGeom prst="rect">
+            <a:avLst/>
+          </a:prstGeom>
+        </p:spPr>
+      </p:pic>
+      <p:pic>
+        <p:nvPicPr>
+          <p:cNvPr id="6" name="Image 5">
+            <a:extLst>
+              <a:ext uri="{FF2B5EF4-FFF2-40B4-BE49-F238E27FC236}">
+                <a16:creationId xmlns:a16="http://schemas.microsoft.com/office/drawing/2014/main" id="{AF413AD9-1E06-EC49-BDED-D26372A8ACFC}"/>
+              </a:ext>
+            </a:extLst>
+          </p:cNvPr>
+          <p:cNvPicPr>
+            <a:picLocks noChangeAspect="1"/>
+          </p:cNvPicPr>
+          <p:nvPr/>
+        </p:nvPicPr>
+        <p:blipFill>
+          <a:blip r:embed="rId3"/>
+          <a:stretch>
+            <a:fillRect/>
+          </a:stretch>
+        </p:blipFill>
+        <p:spPr>
+          <a:xfrm>
+            <a:off x="6230064" y="2605079"/>
+            <a:ext cx="4889500" cy="3124200"/>
+          </a:xfrm>
+          <a:prstGeom prst="rect">
+            <a:avLst/>
+          </a:prstGeom>
+        </p:spPr>
+      </p:pic>
     </p:spTree>
     <p:extLst>
       <p:ext uri="{BB962C8B-B14F-4D97-AF65-F5344CB8AC3E}">
-        <p14:creationId xmlns:p14="http://schemas.microsoft.com/office/powerpoint/2010/main" val="4083997679"/>
+        <p14:creationId xmlns:p14="http://schemas.microsoft.com/office/powerpoint/2010/main" val="410346740"/>
+      </p:ext>
+    </p:extLst>
+  </p:cSld>
+  <p:clrMapOvr>
+    <a:masterClrMapping/>
+  </p:clrMapOvr>
+</p:sld>
+</file>
+
+<file path=ppt/slides/slide2.xml><?xml version="1.0" encoding="utf-8"?>
+<p:sld xmlns:a="http://schemas.openxmlformats.org/drawingml/2006/main" xmlns:r="http://schemas.openxmlformats.org/officeDocument/2006/relationships" xmlns:p="http://schemas.openxmlformats.org/presentationml/2006/main">
+  <p:cSld>
+    <p:spTree>
+      <p:nvGrpSpPr>
+        <p:cNvPr id="1" name=""/>
+        <p:cNvGrpSpPr/>
+        <p:nvPr/>
+      </p:nvGrpSpPr>
+      <p:grpSpPr>
+        <a:xfrm>
+          <a:off x="0" y="0"/>
+          <a:ext cx="0" cy="0"/>
+          <a:chOff x="0" y="0"/>
+          <a:chExt cx="0" cy="0"/>
+        </a:xfrm>
+      </p:grpSpPr>
+      <p:sp>
+        <p:nvSpPr>
+          <p:cNvPr id="2" name="Titre 1">
+            <a:extLst>
+              <a:ext uri="{FF2B5EF4-FFF2-40B4-BE49-F238E27FC236}">
+                <a16:creationId xmlns:a16="http://schemas.microsoft.com/office/drawing/2014/main" id="{3DD15DA5-2908-1341-8E93-349DBE1B341D}"/>
+              </a:ext>
+            </a:extLst>
+          </p:cNvPr>
+          <p:cNvSpPr>
+            <a:spLocks noGrp="1"/>
+          </p:cNvSpPr>
+          <p:nvPr>
+            <p:ph type="title"/>
+          </p:nvPr>
+        </p:nvSpPr>
+        <p:spPr/>
+        <p:txBody>
+          <a:bodyPr/>
+          <a:lstStyle/>
+          <a:p>
+            <a:r>
+              <a:rPr lang="fr-FR" dirty="0"/>
+              <a:t>Données </a:t>
+            </a:r>
+          </a:p>
+        </p:txBody>
+      </p:sp>
+      <p:sp>
+        <p:nvSpPr>
+          <p:cNvPr id="3" name="Espace réservé du contenu 2">
+            <a:extLst>
+              <a:ext uri="{FF2B5EF4-FFF2-40B4-BE49-F238E27FC236}">
+                <a16:creationId xmlns:a16="http://schemas.microsoft.com/office/drawing/2014/main" id="{CA2C7FD1-BDDD-6945-B733-DE2E45F7CE73}"/>
+              </a:ext>
+            </a:extLst>
+          </p:cNvPr>
+          <p:cNvSpPr>
+            <a:spLocks noGrp="1"/>
+          </p:cNvSpPr>
+          <p:nvPr>
+            <p:ph idx="1"/>
+          </p:nvPr>
+        </p:nvSpPr>
+        <p:spPr/>
+        <p:txBody>
+          <a:bodyPr/>
+          <a:lstStyle/>
+          <a:p>
+            <a:endParaRPr lang="fr-FR" dirty="0"/>
+          </a:p>
+        </p:txBody>
+      </p:sp>
+      <p:pic>
+        <p:nvPicPr>
+          <p:cNvPr id="4" name="Image 3">
+            <a:extLst>
+              <a:ext uri="{FF2B5EF4-FFF2-40B4-BE49-F238E27FC236}">
+                <a16:creationId xmlns:a16="http://schemas.microsoft.com/office/drawing/2014/main" id="{CE4A0525-D496-E24F-A8A6-A5CD7C7ECE2E}"/>
+              </a:ext>
+            </a:extLst>
+          </p:cNvPr>
+          <p:cNvPicPr>
+            <a:picLocks noChangeAspect="1"/>
+          </p:cNvPicPr>
+          <p:nvPr/>
+        </p:nvPicPr>
+        <p:blipFill>
+          <a:blip r:embed="rId2"/>
+          <a:stretch>
+            <a:fillRect/>
+          </a:stretch>
+        </p:blipFill>
+        <p:spPr>
+          <a:xfrm>
+            <a:off x="838200" y="2445544"/>
+            <a:ext cx="4864100" cy="3111500"/>
+          </a:xfrm>
+          <a:prstGeom prst="rect">
+            <a:avLst/>
+          </a:prstGeom>
+        </p:spPr>
+      </p:pic>
+      <p:pic>
+        <p:nvPicPr>
+          <p:cNvPr id="12" name="Image 11">
+            <a:extLst>
+              <a:ext uri="{FF2B5EF4-FFF2-40B4-BE49-F238E27FC236}">
+                <a16:creationId xmlns:a16="http://schemas.microsoft.com/office/drawing/2014/main" id="{7C877621-0899-3846-8C9A-1739D391CEF9}"/>
+              </a:ext>
+            </a:extLst>
+          </p:cNvPr>
+          <p:cNvPicPr>
+            <a:picLocks noChangeAspect="1"/>
+          </p:cNvPicPr>
+          <p:nvPr/>
+        </p:nvPicPr>
+        <p:blipFill>
+          <a:blip r:embed="rId3"/>
+          <a:stretch>
+            <a:fillRect/>
+          </a:stretch>
+        </p:blipFill>
+        <p:spPr>
+          <a:xfrm>
+            <a:off x="6426200" y="2329237"/>
+            <a:ext cx="4927600" cy="3124200"/>
+          </a:xfrm>
+          <a:prstGeom prst="rect">
+            <a:avLst/>
+          </a:prstGeom>
+        </p:spPr>
+      </p:pic>
+    </p:spTree>
+    <p:extLst>
+      <p:ext uri="{BB962C8B-B14F-4D97-AF65-F5344CB8AC3E}">
+        <p14:creationId xmlns:p14="http://schemas.microsoft.com/office/powerpoint/2010/main" val="1375262363"/>
+      </p:ext>
+    </p:extLst>
+  </p:cSld>
+  <p:clrMapOvr>
+    <a:masterClrMapping/>
+  </p:clrMapOvr>
+</p:sld>
+</file>
+
+<file path=ppt/slides/slide3.xml><?xml version="1.0" encoding="utf-8"?>
+<p:sld xmlns:a="http://schemas.openxmlformats.org/drawingml/2006/main" xmlns:r="http://schemas.openxmlformats.org/officeDocument/2006/relationships" xmlns:p="http://schemas.openxmlformats.org/presentationml/2006/main">
+  <p:cSld>
+    <p:spTree>
+      <p:nvGrpSpPr>
+        <p:cNvPr id="1" name=""/>
+        <p:cNvGrpSpPr/>
+        <p:nvPr/>
+      </p:nvGrpSpPr>
+      <p:grpSpPr>
+        <a:xfrm>
+          <a:off x="0" y="0"/>
+          <a:ext cx="0" cy="0"/>
+          <a:chOff x="0" y="0"/>
+          <a:chExt cx="0" cy="0"/>
+        </a:xfrm>
+      </p:grpSpPr>
+      <p:sp>
+        <p:nvSpPr>
+          <p:cNvPr id="2" name="Titre 1">
+            <a:extLst>
+              <a:ext uri="{FF2B5EF4-FFF2-40B4-BE49-F238E27FC236}">
+                <a16:creationId xmlns:a16="http://schemas.microsoft.com/office/drawing/2014/main" id="{D4942CE2-9EDA-5A43-BEBC-286FBE89617C}"/>
+              </a:ext>
+            </a:extLst>
+          </p:cNvPr>
+          <p:cNvSpPr>
+            <a:spLocks noGrp="1"/>
+          </p:cNvSpPr>
+          <p:nvPr>
+            <p:ph type="title"/>
+          </p:nvPr>
+        </p:nvSpPr>
+        <p:spPr/>
+        <p:txBody>
+          <a:bodyPr/>
+          <a:lstStyle/>
+          <a:p>
+            <a:r>
+              <a:rPr lang="fr-FR" dirty="0"/>
+              <a:t>Modélisation Tremblement main</a:t>
+            </a:r>
+          </a:p>
+        </p:txBody>
+      </p:sp>
+      <p:pic>
+        <p:nvPicPr>
+          <p:cNvPr id="4" name="Espace réservé du contenu 3">
+            <a:extLst>
+              <a:ext uri="{FF2B5EF4-FFF2-40B4-BE49-F238E27FC236}">
+                <a16:creationId xmlns:a16="http://schemas.microsoft.com/office/drawing/2014/main" id="{906AD1B3-52E0-AE43-B590-364178F80CCC}"/>
+              </a:ext>
+            </a:extLst>
+          </p:cNvPr>
+          <p:cNvPicPr>
+            <a:picLocks noGrp="1" noChangeAspect="1"/>
+          </p:cNvPicPr>
+          <p:nvPr>
+            <p:ph idx="1"/>
+          </p:nvPr>
+        </p:nvPicPr>
+        <p:blipFill>
+          <a:blip r:embed="rId2"/>
+          <a:stretch>
+            <a:fillRect/>
+          </a:stretch>
+        </p:blipFill>
+        <p:spPr>
+          <a:xfrm>
+            <a:off x="6273801" y="2267388"/>
+            <a:ext cx="5080000" cy="3340100"/>
+          </a:xfrm>
+          <a:prstGeom prst="rect">
+            <a:avLst/>
+          </a:prstGeom>
+        </p:spPr>
+      </p:pic>
+      <p:sp>
+        <p:nvSpPr>
+          <p:cNvPr id="5" name="ZoneTexte 4">
+            <a:extLst>
+              <a:ext uri="{FF2B5EF4-FFF2-40B4-BE49-F238E27FC236}">
+                <a16:creationId xmlns:a16="http://schemas.microsoft.com/office/drawing/2014/main" id="{1DA8E805-09CC-9B48-BCE0-FDE2DF1C2C12}"/>
+              </a:ext>
+            </a:extLst>
+          </p:cNvPr>
+          <p:cNvSpPr txBox="1"/>
+          <p:nvPr/>
+        </p:nvSpPr>
+        <p:spPr>
+          <a:xfrm>
+            <a:off x="1012372" y="1910004"/>
+            <a:ext cx="3375411" cy="646331"/>
+          </a:xfrm>
+          <a:prstGeom prst="rect">
+            <a:avLst/>
+          </a:prstGeom>
+          <a:noFill/>
+        </p:spPr>
+        <p:txBody>
+          <a:bodyPr wrap="none" rtlCol="0">
+            <a:spAutoFit/>
+          </a:bodyPr>
+          <a:lstStyle/>
+          <a:p>
+            <a:pPr marL="285750" indent="-285750">
+              <a:buFont typeface="Arial" panose="020B0604020202020204" pitchFamily="34" charset="0"/>
+              <a:buChar char="•"/>
+            </a:pPr>
+            <a:r>
+              <a:rPr lang="fr-FR" dirty="0"/>
+              <a:t>2 mouvements d’entraînement</a:t>
+            </a:r>
+          </a:p>
+          <a:p>
+            <a:pPr marL="285750" indent="-285750">
+              <a:buFont typeface="Arial" panose="020B0604020202020204" pitchFamily="34" charset="0"/>
+              <a:buChar char="•"/>
+            </a:pPr>
+            <a:endParaRPr lang="fr-FR" dirty="0"/>
+          </a:p>
+        </p:txBody>
+      </p:sp>
+      <p:pic>
+        <p:nvPicPr>
+          <p:cNvPr id="7" name="Image 6">
+            <a:extLst>
+              <a:ext uri="{FF2B5EF4-FFF2-40B4-BE49-F238E27FC236}">
+                <a16:creationId xmlns:a16="http://schemas.microsoft.com/office/drawing/2014/main" id="{0B3EE0E5-04E8-C540-884F-C665E0912FA2}"/>
+              </a:ext>
+            </a:extLst>
+          </p:cNvPr>
+          <p:cNvPicPr>
+            <a:picLocks noChangeAspect="1"/>
+          </p:cNvPicPr>
+          <p:nvPr/>
+        </p:nvPicPr>
+        <p:blipFill>
+          <a:blip r:embed="rId3"/>
+          <a:stretch>
+            <a:fillRect/>
+          </a:stretch>
+        </p:blipFill>
+        <p:spPr>
+          <a:xfrm>
+            <a:off x="381001" y="2370364"/>
+            <a:ext cx="5537200" cy="3048000"/>
+          </a:xfrm>
+          <a:prstGeom prst="rect">
+            <a:avLst/>
+          </a:prstGeom>
+        </p:spPr>
+      </p:pic>
+      <p:pic>
+        <p:nvPicPr>
+          <p:cNvPr id="8" name="Image 7">
+            <a:extLst>
+              <a:ext uri="{FF2B5EF4-FFF2-40B4-BE49-F238E27FC236}">
+                <a16:creationId xmlns:a16="http://schemas.microsoft.com/office/drawing/2014/main" id="{D2788CD5-8D56-3042-932F-01352C380C80}"/>
+              </a:ext>
+            </a:extLst>
+          </p:cNvPr>
+          <p:cNvPicPr>
+            <a:picLocks noChangeAspect="1"/>
+          </p:cNvPicPr>
+          <p:nvPr/>
+        </p:nvPicPr>
+        <p:blipFill>
+          <a:blip r:embed="rId4"/>
+          <a:stretch>
+            <a:fillRect/>
+          </a:stretch>
+        </p:blipFill>
+        <p:spPr>
+          <a:xfrm>
+            <a:off x="381001" y="5607488"/>
+            <a:ext cx="4521200" cy="279400"/>
+          </a:xfrm>
+          <a:prstGeom prst="rect">
+            <a:avLst/>
+          </a:prstGeom>
+        </p:spPr>
+      </p:pic>
+    </p:spTree>
+    <p:extLst>
+      <p:ext uri="{BB962C8B-B14F-4D97-AF65-F5344CB8AC3E}">
+        <p14:creationId xmlns:p14="http://schemas.microsoft.com/office/powerpoint/2010/main" val="3036851800"/>
+      </p:ext>
+    </p:extLst>
+  </p:cSld>
+  <p:clrMapOvr>
+    <a:masterClrMapping/>
+  </p:clrMapOvr>
+</p:sld>
+</file>
+
+<file path=ppt/slides/slide4.xml><?xml version="1.0" encoding="utf-8"?>
+<p:sld xmlns:a="http://schemas.openxmlformats.org/drawingml/2006/main" xmlns:r="http://schemas.openxmlformats.org/officeDocument/2006/relationships" xmlns:p="http://schemas.openxmlformats.org/presentationml/2006/main">
+  <p:cSld>
+    <p:spTree>
+      <p:nvGrpSpPr>
+        <p:cNvPr id="1" name=""/>
+        <p:cNvGrpSpPr/>
+        <p:nvPr/>
+      </p:nvGrpSpPr>
+      <p:grpSpPr>
+        <a:xfrm>
+          <a:off x="0" y="0"/>
+          <a:ext cx="0" cy="0"/>
+          <a:chOff x="0" y="0"/>
+          <a:chExt cx="0" cy="0"/>
+        </a:xfrm>
+      </p:grpSpPr>
+      <p:sp>
+        <p:nvSpPr>
+          <p:cNvPr id="2" name="Titre 1">
+            <a:extLst>
+              <a:ext uri="{FF2B5EF4-FFF2-40B4-BE49-F238E27FC236}">
+                <a16:creationId xmlns:a16="http://schemas.microsoft.com/office/drawing/2014/main" id="{2F128485-DBD1-7442-83B0-B3C4335C2FE2}"/>
+              </a:ext>
+            </a:extLst>
+          </p:cNvPr>
+          <p:cNvSpPr>
+            <a:spLocks noGrp="1"/>
+          </p:cNvSpPr>
+          <p:nvPr>
+            <p:ph type="title"/>
+          </p:nvPr>
+        </p:nvSpPr>
+        <p:spPr/>
+        <p:txBody>
+          <a:bodyPr/>
+          <a:lstStyle/>
+          <a:p>
+            <a:r>
+              <a:rPr lang="fr-FR" dirty="0"/>
+              <a:t>Modélisation tremblements main</a:t>
+            </a:r>
+          </a:p>
+        </p:txBody>
+      </p:sp>
+      <p:sp>
+        <p:nvSpPr>
+          <p:cNvPr id="3" name="Espace réservé du contenu 2">
+            <a:extLst>
+              <a:ext uri="{FF2B5EF4-FFF2-40B4-BE49-F238E27FC236}">
+                <a16:creationId xmlns:a16="http://schemas.microsoft.com/office/drawing/2014/main" id="{36266E8D-2A16-F74F-9B7F-E1E4B18AFD06}"/>
+              </a:ext>
+            </a:extLst>
+          </p:cNvPr>
+          <p:cNvSpPr>
+            <a:spLocks noGrp="1"/>
+          </p:cNvSpPr>
+          <p:nvPr>
+            <p:ph idx="1"/>
+          </p:nvPr>
+        </p:nvSpPr>
+        <p:spPr/>
+        <p:txBody>
+          <a:bodyPr/>
+          <a:lstStyle/>
+          <a:p>
+            <a:r>
+              <a:rPr lang="fr-FR" dirty="0"/>
+              <a:t>4 mouvements d’entrainement </a:t>
+            </a:r>
+          </a:p>
+        </p:txBody>
+      </p:sp>
+      <p:pic>
+        <p:nvPicPr>
+          <p:cNvPr id="4" name="Image 3">
+            <a:extLst>
+              <a:ext uri="{FF2B5EF4-FFF2-40B4-BE49-F238E27FC236}">
+                <a16:creationId xmlns:a16="http://schemas.microsoft.com/office/drawing/2014/main" id="{F0E352A6-74EA-7947-B7FB-E407D77FEAB2}"/>
+              </a:ext>
+            </a:extLst>
+          </p:cNvPr>
+          <p:cNvPicPr>
+            <a:picLocks noChangeAspect="1"/>
+          </p:cNvPicPr>
+          <p:nvPr/>
+        </p:nvPicPr>
+        <p:blipFill>
+          <a:blip r:embed="rId2"/>
+          <a:stretch>
+            <a:fillRect/>
+          </a:stretch>
+        </p:blipFill>
+        <p:spPr>
+          <a:xfrm>
+            <a:off x="838200" y="2616200"/>
+            <a:ext cx="4889500" cy="3111500"/>
+          </a:xfrm>
+          <a:prstGeom prst="rect">
+            <a:avLst/>
+          </a:prstGeom>
+        </p:spPr>
+      </p:pic>
+      <p:pic>
+        <p:nvPicPr>
+          <p:cNvPr id="5" name="Image 4">
+            <a:extLst>
+              <a:ext uri="{FF2B5EF4-FFF2-40B4-BE49-F238E27FC236}">
+                <a16:creationId xmlns:a16="http://schemas.microsoft.com/office/drawing/2014/main" id="{450C4DBB-B049-464E-A61F-74956D8AA77B}"/>
+              </a:ext>
+            </a:extLst>
+          </p:cNvPr>
+          <p:cNvPicPr>
+            <a:picLocks noChangeAspect="1"/>
+          </p:cNvPicPr>
+          <p:nvPr/>
+        </p:nvPicPr>
+        <p:blipFill>
+          <a:blip r:embed="rId3"/>
+          <a:stretch>
+            <a:fillRect/>
+          </a:stretch>
+        </p:blipFill>
+        <p:spPr>
+          <a:xfrm>
+            <a:off x="6405335" y="2514600"/>
+            <a:ext cx="5080000" cy="3314700"/>
+          </a:xfrm>
+          <a:prstGeom prst="rect">
+            <a:avLst/>
+          </a:prstGeom>
+        </p:spPr>
+      </p:pic>
+    </p:spTree>
+    <p:extLst>
+      <p:ext uri="{BB962C8B-B14F-4D97-AF65-F5344CB8AC3E}">
+        <p14:creationId xmlns:p14="http://schemas.microsoft.com/office/powerpoint/2010/main" val="4192126167"/>
+      </p:ext>
+    </p:extLst>
+  </p:cSld>
+  <p:clrMapOvr>
+    <a:masterClrMapping/>
+  </p:clrMapOvr>
+</p:sld>
+</file>
+
+<file path=ppt/slides/slide5.xml><?xml version="1.0" encoding="utf-8"?>
+<p:sld xmlns:a="http://schemas.openxmlformats.org/drawingml/2006/main" xmlns:r="http://schemas.openxmlformats.org/officeDocument/2006/relationships" xmlns:p="http://schemas.openxmlformats.org/presentationml/2006/main">
+  <p:cSld>
+    <p:spTree>
+      <p:nvGrpSpPr>
+        <p:cNvPr id="1" name=""/>
+        <p:cNvGrpSpPr/>
+        <p:nvPr/>
+      </p:nvGrpSpPr>
+      <p:grpSpPr>
+        <a:xfrm>
+          <a:off x="0" y="0"/>
+          <a:ext cx="0" cy="0"/>
+          <a:chOff x="0" y="0"/>
+          <a:chExt cx="0" cy="0"/>
+        </a:xfrm>
+      </p:grpSpPr>
+      <p:sp>
+        <p:nvSpPr>
+          <p:cNvPr id="2" name="Titre 1">
+            <a:extLst>
+              <a:ext uri="{FF2B5EF4-FFF2-40B4-BE49-F238E27FC236}">
+                <a16:creationId xmlns:a16="http://schemas.microsoft.com/office/drawing/2014/main" id="{340657FA-2B64-9845-9AC6-A625D2ACDDF1}"/>
+              </a:ext>
+            </a:extLst>
+          </p:cNvPr>
+          <p:cNvSpPr>
+            <a:spLocks noGrp="1"/>
+          </p:cNvSpPr>
+          <p:nvPr>
+            <p:ph type="title"/>
+          </p:nvPr>
+        </p:nvSpPr>
+        <p:spPr/>
+        <p:txBody>
+          <a:bodyPr/>
+          <a:lstStyle/>
+          <a:p>
+            <a:r>
+              <a:rPr lang="fr-FR" dirty="0"/>
+              <a:t>Essais clinique</a:t>
+            </a:r>
+          </a:p>
+        </p:txBody>
+      </p:sp>
+      <p:sp>
+        <p:nvSpPr>
+          <p:cNvPr id="3" name="Espace réservé du contenu 2">
+            <a:extLst>
+              <a:ext uri="{FF2B5EF4-FFF2-40B4-BE49-F238E27FC236}">
+                <a16:creationId xmlns:a16="http://schemas.microsoft.com/office/drawing/2014/main" id="{DAD0842F-B595-5146-9EEB-2F6A298B1350}"/>
+              </a:ext>
+            </a:extLst>
+          </p:cNvPr>
+          <p:cNvSpPr>
+            <a:spLocks noGrp="1"/>
+          </p:cNvSpPr>
+          <p:nvPr>
+            <p:ph idx="1"/>
+          </p:nvPr>
+        </p:nvSpPr>
+        <p:spPr/>
+        <p:txBody>
+          <a:bodyPr>
+            <a:normAutofit fontScale="62500" lnSpcReduction="20000"/>
+          </a:bodyPr>
+          <a:lstStyle/>
+          <a:p>
+            <a:r>
+              <a:rPr lang="fr-FR" dirty="0"/>
+              <a:t>Toucher le pouce avec l’index</a:t>
+            </a:r>
+          </a:p>
+          <a:p>
+            <a:r>
+              <a:rPr lang="fr-FR" dirty="0"/>
+              <a:t>???</a:t>
+            </a:r>
+          </a:p>
+          <a:p>
+            <a:r>
+              <a:rPr lang="fr-FR" dirty="0"/>
+              <a:t>Rotation du poigné</a:t>
+            </a:r>
+          </a:p>
+          <a:p>
+            <a:r>
+              <a:rPr lang="fr-FR" dirty="0"/>
+              <a:t>Bras tendus devant</a:t>
+            </a:r>
+          </a:p>
+          <a:p>
+            <a:r>
+              <a:rPr lang="fr-FR" dirty="0"/>
+              <a:t>Toucher le nez avec l’index</a:t>
+            </a:r>
+          </a:p>
+          <a:p>
+            <a:r>
+              <a:rPr lang="fr-FR" dirty="0"/>
+              <a:t>Taper le pied sur le sol</a:t>
+            </a:r>
+          </a:p>
+          <a:p>
+            <a:r>
+              <a:rPr lang="fr-FR" dirty="0"/>
+              <a:t>Levé de genou</a:t>
+            </a:r>
+          </a:p>
+          <a:p>
+            <a:r>
+              <a:rPr lang="fr-FR" dirty="0"/>
+              <a:t>Croiser les bras sur les épaules et se lever</a:t>
+            </a:r>
+          </a:p>
+          <a:p>
+            <a:r>
+              <a:rPr lang="fr-FR" dirty="0"/>
+              <a:t>Resserrer les pieds</a:t>
+            </a:r>
+          </a:p>
+          <a:p>
+            <a:r>
+              <a:rPr lang="fr-FR" dirty="0"/>
+              <a:t>Marcher </a:t>
+            </a:r>
+          </a:p>
+          <a:p>
+            <a:r>
+              <a:rPr lang="fr-FR" dirty="0"/>
+              <a:t>Faire demi-tour</a:t>
+            </a:r>
+          </a:p>
+          <a:p>
+            <a:r>
+              <a:rPr lang="fr-FR" dirty="0"/>
+              <a:t>Revenir en marchant</a:t>
+            </a:r>
+          </a:p>
+          <a:p>
+            <a:r>
+              <a:rPr lang="fr-FR" dirty="0"/>
+              <a:t>Test équilibre (en tirant la personne)</a:t>
+            </a:r>
+          </a:p>
+          <a:p>
+            <a:endParaRPr lang="fr-FR" dirty="0"/>
+          </a:p>
+          <a:p>
+            <a:endParaRPr lang="fr-FR" dirty="0"/>
+          </a:p>
+        </p:txBody>
+      </p:sp>
+    </p:spTree>
+    <p:extLst>
+      <p:ext uri="{BB962C8B-B14F-4D97-AF65-F5344CB8AC3E}">
+        <p14:creationId xmlns:p14="http://schemas.microsoft.com/office/powerpoint/2010/main" val="216783113"/>
+      </p:ext>
+    </p:extLst>
+  </p:cSld>
+  <p:clrMapOvr>
+    <a:masterClrMapping/>
+  </p:clrMapOvr>
+</p:sld>
+</file>
+
+<file path=ppt/slides/slide6.xml><?xml version="1.0" encoding="utf-8"?>
+<p:sld xmlns:a="http://schemas.openxmlformats.org/drawingml/2006/main" xmlns:r="http://schemas.openxmlformats.org/officeDocument/2006/relationships" xmlns:p="http://schemas.openxmlformats.org/presentationml/2006/main">
+  <p:cSld>
+    <p:spTree>
+      <p:nvGrpSpPr>
+        <p:cNvPr id="1" name=""/>
+        <p:cNvGrpSpPr/>
+        <p:nvPr/>
+      </p:nvGrpSpPr>
+      <p:grpSpPr>
+        <a:xfrm>
+          <a:off x="0" y="0"/>
+          <a:ext cx="0" cy="0"/>
+          <a:chOff x="0" y="0"/>
+          <a:chExt cx="0" cy="0"/>
+        </a:xfrm>
+      </p:grpSpPr>
+      <p:sp>
+        <p:nvSpPr>
+          <p:cNvPr id="2" name="Titre 1">
+            <a:extLst>
+              <a:ext uri="{FF2B5EF4-FFF2-40B4-BE49-F238E27FC236}">
+                <a16:creationId xmlns:a16="http://schemas.microsoft.com/office/drawing/2014/main" id="{B20FA956-7393-624B-8722-7A8073F40429}"/>
+              </a:ext>
+            </a:extLst>
+          </p:cNvPr>
+          <p:cNvSpPr>
+            <a:spLocks noGrp="1"/>
+          </p:cNvSpPr>
+          <p:nvPr>
+            <p:ph type="title"/>
+          </p:nvPr>
+        </p:nvSpPr>
+        <p:spPr/>
+        <p:txBody>
+          <a:bodyPr/>
+          <a:lstStyle/>
+          <a:p>
+            <a:r>
+              <a:rPr lang="fr-FR" dirty="0"/>
+              <a:t>Protocole expérimental</a:t>
+            </a:r>
+          </a:p>
+        </p:txBody>
+      </p:sp>
+      <p:sp>
+        <p:nvSpPr>
+          <p:cNvPr id="3" name="Espace réservé du contenu 2">
+            <a:extLst>
+              <a:ext uri="{FF2B5EF4-FFF2-40B4-BE49-F238E27FC236}">
+                <a16:creationId xmlns:a16="http://schemas.microsoft.com/office/drawing/2014/main" id="{D8D293DA-298D-CF43-9D35-8450665AD832}"/>
+              </a:ext>
+            </a:extLst>
+          </p:cNvPr>
+          <p:cNvSpPr>
+            <a:spLocks noGrp="1"/>
+          </p:cNvSpPr>
+          <p:nvPr>
+            <p:ph idx="1"/>
+          </p:nvPr>
+        </p:nvSpPr>
+        <p:spPr/>
+        <p:txBody>
+          <a:bodyPr/>
+          <a:lstStyle/>
+          <a:p>
+            <a:endParaRPr lang="fr-FR" dirty="0"/>
+          </a:p>
+          <a:p>
+            <a:endParaRPr lang="fr-FR" dirty="0"/>
+          </a:p>
+        </p:txBody>
+      </p:sp>
+      <p:sp>
+        <p:nvSpPr>
+          <p:cNvPr id="4" name="ZoneTexte 3">
+            <a:extLst>
+              <a:ext uri="{FF2B5EF4-FFF2-40B4-BE49-F238E27FC236}">
+                <a16:creationId xmlns:a16="http://schemas.microsoft.com/office/drawing/2014/main" id="{CD4387AE-C108-264B-A165-257618DA247B}"/>
+              </a:ext>
+            </a:extLst>
+          </p:cNvPr>
+          <p:cNvSpPr txBox="1"/>
+          <p:nvPr/>
+        </p:nvSpPr>
+        <p:spPr>
+          <a:xfrm>
+            <a:off x="838200" y="1640959"/>
+            <a:ext cx="3173433" cy="3139321"/>
+          </a:xfrm>
+          <a:prstGeom prst="rect">
+            <a:avLst/>
+          </a:prstGeom>
+          <a:noFill/>
+        </p:spPr>
+        <p:txBody>
+          <a:bodyPr wrap="none" rtlCol="0">
+            <a:spAutoFit/>
+          </a:bodyPr>
+          <a:lstStyle/>
+          <a:p>
+            <a:pPr marL="342900" indent="-342900">
+              <a:buFont typeface="+mj-lt"/>
+              <a:buAutoNum type="arabicPeriod"/>
+            </a:pPr>
+            <a:r>
+              <a:rPr lang="fr-FR" dirty="0"/>
+              <a:t>Marcher (calibration 2m)</a:t>
+            </a:r>
+          </a:p>
+          <a:p>
+            <a:pPr marL="342900" indent="-342900">
+              <a:buFont typeface="+mj-lt"/>
+              <a:buAutoNum type="arabicPeriod"/>
+            </a:pPr>
+            <a:r>
+              <a:rPr lang="fr-FR" dirty="0"/>
+              <a:t>Demi tour</a:t>
+            </a:r>
+          </a:p>
+          <a:p>
+            <a:pPr marL="342900" indent="-342900">
+              <a:buFont typeface="+mj-lt"/>
+              <a:buAutoNum type="arabicPeriod"/>
+            </a:pPr>
+            <a:r>
+              <a:rPr lang="fr-FR" dirty="0"/>
+              <a:t>Marcher</a:t>
+            </a:r>
+          </a:p>
+          <a:p>
+            <a:pPr marL="342900" indent="-342900">
+              <a:buFont typeface="+mj-lt"/>
+              <a:buAutoNum type="arabicPeriod"/>
+            </a:pPr>
+            <a:r>
+              <a:rPr lang="fr-FR" dirty="0"/>
+              <a:t>S’asseoir</a:t>
+            </a:r>
+          </a:p>
+          <a:p>
+            <a:pPr marL="342900" indent="-342900">
+              <a:buFont typeface="+mj-lt"/>
+              <a:buAutoNum type="arabicPeriod"/>
+            </a:pPr>
+            <a:r>
+              <a:rPr lang="fr-FR" dirty="0"/>
+              <a:t>Mouvements avec les mains</a:t>
+            </a:r>
+          </a:p>
+          <a:p>
+            <a:pPr marL="342900" indent="-342900">
+              <a:buFont typeface="+mj-lt"/>
+              <a:buAutoNum type="arabicPeriod"/>
+            </a:pPr>
+            <a:r>
+              <a:rPr lang="fr-FR" dirty="0"/>
+              <a:t>Mouvements avec les pieds</a:t>
+            </a:r>
+          </a:p>
+          <a:p>
+            <a:pPr marL="342900" indent="-342900">
+              <a:buFont typeface="+mj-lt"/>
+              <a:buAutoNum type="arabicPeriod"/>
+            </a:pPr>
+            <a:r>
+              <a:rPr lang="fr-FR" dirty="0"/>
+              <a:t>Se lever</a:t>
+            </a:r>
+          </a:p>
+          <a:p>
+            <a:pPr marL="342900" indent="-342900">
+              <a:buFont typeface="+mj-lt"/>
+              <a:buAutoNum type="arabicPeriod"/>
+            </a:pPr>
+            <a:r>
+              <a:rPr lang="fr-FR" dirty="0"/>
+              <a:t>Courir</a:t>
+            </a:r>
+          </a:p>
+          <a:p>
+            <a:pPr marL="342900" indent="-342900">
+              <a:buFont typeface="+mj-lt"/>
+              <a:buAutoNum type="arabicPeriod"/>
+            </a:pPr>
+            <a:r>
+              <a:rPr lang="fr-FR" dirty="0"/>
+              <a:t>Pas long</a:t>
+            </a:r>
+          </a:p>
+          <a:p>
+            <a:pPr marL="342900" indent="-342900">
+              <a:buFont typeface="+mj-lt"/>
+              <a:buAutoNum type="arabicPeriod"/>
+            </a:pPr>
+            <a:r>
+              <a:rPr lang="fr-FR" dirty="0"/>
+              <a:t>Saut</a:t>
+            </a:r>
+          </a:p>
+          <a:p>
+            <a:pPr marL="342900" indent="-342900">
+              <a:buFont typeface="+mj-lt"/>
+              <a:buAutoNum type="arabicPeriod"/>
+            </a:pPr>
+            <a:endParaRPr lang="fr-FR" dirty="0"/>
+          </a:p>
+        </p:txBody>
+      </p:sp>
+    </p:spTree>
+    <p:extLst>
+      <p:ext uri="{BB962C8B-B14F-4D97-AF65-F5344CB8AC3E}">
+        <p14:creationId xmlns:p14="http://schemas.microsoft.com/office/powerpoint/2010/main" val="1693274979"/>
       </p:ext>
     </p:extLst>
   </p:cSld>

--- a/presentation/suivi/20201118.pptx
+++ b/presentation/suivi/20201118.pptx
@@ -11,6 +11,7 @@
     <p:sldId id="260" r:id="rId5"/>
     <p:sldId id="261" r:id="rId6"/>
     <p:sldId id="262" r:id="rId7"/>
+    <p:sldId id="263" r:id="rId8"/>
   </p:sldIdLst>
   <p:sldSz cx="12192000" cy="6858000"/>
   <p:notesSz cx="6858000" cy="9144000"/>
@@ -4167,8 +4168,8 @@
         </p:nvSpPr>
         <p:spPr>
           <a:xfrm>
-            <a:off x="838200" y="1640959"/>
-            <a:ext cx="3173433" cy="3139321"/>
+            <a:off x="6293603" y="29567"/>
+            <a:ext cx="5462329" cy="6463308"/>
           </a:xfrm>
           <a:prstGeom prst="rect">
             <a:avLst/>
@@ -4217,7 +4218,7 @@
             </a:pPr>
             <a:r>
               <a:rPr lang="fr-FR" dirty="0"/>
-              <a:t>S’asseoir</a:t>
+              <a:t>S’asseoir / Se lever</a:t>
             </a:r>
           </a:p>
           <a:p>
@@ -4227,7 +4228,7 @@
             </a:pPr>
             <a:r>
               <a:rPr lang="fr-FR" dirty="0"/>
-              <a:t>Mouvements avec les mains</a:t>
+              <a:t>S’asseoir  / Croiser les bras sur les épaules et se lever</a:t>
             </a:r>
           </a:p>
           <a:p>
@@ -4237,7 +4238,7 @@
             </a:pPr>
             <a:r>
               <a:rPr lang="fr-FR" dirty="0"/>
-              <a:t>Mouvements avec les pieds</a:t>
+              <a:t>Rotation du poigné</a:t>
             </a:r>
           </a:p>
           <a:p>
@@ -4247,7 +4248,7 @@
             </a:pPr>
             <a:r>
               <a:rPr lang="fr-FR" dirty="0"/>
-              <a:t>Se lever</a:t>
+              <a:t> Rotation poigné bras tendu</a:t>
             </a:r>
           </a:p>
           <a:p>
@@ -4256,8 +4257,12 @@
               <a:buAutoNum type="arabicPeriod"/>
             </a:pPr>
             <a:r>
-              <a:rPr lang="fr-FR" dirty="0"/>
-              <a:t>Courir</a:t>
+              <a:rPr lang="fr-FR" dirty="0">
+                <a:solidFill>
+                  <a:schemeClr val="accent6"/>
+                </a:solidFill>
+              </a:rPr>
+              <a:t>Touche le pouce avec l’index</a:t>
             </a:r>
           </a:p>
           <a:p>
@@ -4267,7 +4272,7 @@
             </a:pPr>
             <a:r>
               <a:rPr lang="fr-FR" dirty="0"/>
-              <a:t>Pas long</a:t>
+              <a:t>Toucher le nez avec l’index</a:t>
             </a:r>
           </a:p>
           <a:p>
@@ -4277,7 +4282,7 @@
             </a:pPr>
             <a:r>
               <a:rPr lang="fr-FR" dirty="0"/>
-              <a:t>Saut</a:t>
+              <a:t>Taper le pied sur le sol</a:t>
             </a:r>
           </a:p>
           <a:p>
@@ -4285,7 +4290,131 @@
               <a:buFont typeface="+mj-lt"/>
               <a:buAutoNum type="arabicPeriod"/>
             </a:pPr>
+            <a:r>
+              <a:rPr lang="fr-FR" dirty="0"/>
+              <a:t>Levé de genou</a:t>
+            </a:r>
+          </a:p>
+          <a:p>
+            <a:pPr marL="342900" indent="-342900">
+              <a:buFont typeface="+mj-lt"/>
+              <a:buAutoNum type="arabicPeriod"/>
+            </a:pPr>
+            <a:r>
+              <a:rPr lang="fr-FR" dirty="0"/>
+              <a:t>Applaudir</a:t>
+            </a:r>
+          </a:p>
+          <a:p>
+            <a:pPr marL="342900" indent="-342900">
+              <a:buFont typeface="+mj-lt"/>
+              <a:buAutoNum type="arabicPeriod"/>
+            </a:pPr>
+            <a:r>
+              <a:rPr lang="fr-FR" dirty="0"/>
+              <a:t>Pas long</a:t>
+            </a:r>
+          </a:p>
+          <a:p>
+            <a:pPr marL="342900" indent="-342900">
+              <a:buFont typeface="+mj-lt"/>
+              <a:buAutoNum type="arabicPeriod"/>
+            </a:pPr>
+            <a:r>
+              <a:rPr lang="fr-FR" dirty="0"/>
+              <a:t>Équilibre sur un pied / l’autre</a:t>
+            </a:r>
+          </a:p>
+          <a:p>
+            <a:pPr marL="342900" indent="-342900">
+              <a:buFont typeface="+mj-lt"/>
+              <a:buAutoNum type="arabicPeriod"/>
+            </a:pPr>
+            <a:r>
+              <a:rPr lang="fr-FR" dirty="0"/>
+              <a:t>Reculer en marchant</a:t>
+            </a:r>
+          </a:p>
+          <a:p>
+            <a:pPr marL="342900" indent="-342900">
+              <a:buFont typeface="+mj-lt"/>
+              <a:buAutoNum type="arabicPeriod"/>
+            </a:pPr>
+            <a:r>
+              <a:rPr lang="fr-FR" dirty="0"/>
+              <a:t>Monter / Descendre les escaliers</a:t>
+            </a:r>
+          </a:p>
+          <a:p>
+            <a:pPr marL="342900" indent="-342900">
+              <a:buFont typeface="+mj-lt"/>
+              <a:buAutoNum type="arabicPeriod"/>
+            </a:pPr>
+            <a:r>
+              <a:rPr lang="fr-FR" dirty="0"/>
+              <a:t>Boire</a:t>
+            </a:r>
+          </a:p>
+          <a:p>
+            <a:pPr marL="342900" indent="-342900">
+              <a:buFont typeface="+mj-lt"/>
+              <a:buAutoNum type="arabicPeriod"/>
+            </a:pPr>
+            <a:r>
+              <a:rPr lang="fr-FR" dirty="0"/>
+              <a:t>Lancer une balle</a:t>
+            </a:r>
+          </a:p>
+          <a:p>
+            <a:pPr marL="342900" indent="-342900">
+              <a:buFont typeface="+mj-lt"/>
+              <a:buAutoNum type="arabicPeriod"/>
+            </a:pPr>
+            <a:r>
+              <a:rPr lang="fr-FR" dirty="0"/>
+              <a:t>Tremblement</a:t>
+            </a:r>
+          </a:p>
+          <a:p>
+            <a:pPr marL="342900" indent="-342900">
+              <a:buFont typeface="+mj-lt"/>
+              <a:buAutoNum type="arabicPeriod"/>
+            </a:pPr>
+            <a:r>
+              <a:rPr lang="fr-FR" dirty="0" err="1"/>
+              <a:t>Freezing</a:t>
+            </a:r>
             <a:endParaRPr lang="fr-FR" dirty="0"/>
+          </a:p>
+          <a:p>
+            <a:pPr marL="342900" indent="-342900">
+              <a:buFont typeface="+mj-lt"/>
+              <a:buAutoNum type="arabicPeriod"/>
+            </a:pPr>
+            <a:r>
+              <a:rPr lang="fr-FR" dirty="0"/>
+              <a:t>Regarder à gauche et droite</a:t>
+            </a:r>
+          </a:p>
+          <a:p>
+            <a:pPr marL="342900" indent="-342900">
+              <a:buFont typeface="+mj-lt"/>
+              <a:buAutoNum type="arabicPeriod"/>
+            </a:pPr>
+            <a:r>
+              <a:rPr lang="fr-FR" dirty="0"/>
+              <a:t>Dire oui</a:t>
+            </a:r>
+          </a:p>
+          <a:p>
+            <a:pPr marL="342900" indent="-342900">
+              <a:buFont typeface="+mj-lt"/>
+              <a:buAutoNum type="arabicPeriod"/>
+            </a:pPr>
+            <a:r>
+              <a:rPr lang="fr-FR" dirty="0"/>
+              <a:t>Dire non</a:t>
+            </a:r>
           </a:p>
         </p:txBody>
       </p:sp>
@@ -4293,6 +4422,261 @@
     <p:extLst>
       <p:ext uri="{BB962C8B-B14F-4D97-AF65-F5344CB8AC3E}">
         <p14:creationId xmlns:p14="http://schemas.microsoft.com/office/powerpoint/2010/main" val="1693274979"/>
+      </p:ext>
+    </p:extLst>
+  </p:cSld>
+  <p:clrMapOvr>
+    <a:masterClrMapping/>
+  </p:clrMapOvr>
+</p:sld>
+</file>
+
+<file path=ppt/slides/slide7.xml><?xml version="1.0" encoding="utf-8"?>
+<p:sld xmlns:a="http://schemas.openxmlformats.org/drawingml/2006/main" xmlns:r="http://schemas.openxmlformats.org/officeDocument/2006/relationships" xmlns:p="http://schemas.openxmlformats.org/presentationml/2006/main">
+  <p:cSld>
+    <p:spTree>
+      <p:nvGrpSpPr>
+        <p:cNvPr id="1" name=""/>
+        <p:cNvGrpSpPr/>
+        <p:nvPr/>
+      </p:nvGrpSpPr>
+      <p:grpSpPr>
+        <a:xfrm>
+          <a:off x="0" y="0"/>
+          <a:ext cx="0" cy="0"/>
+          <a:chOff x="0" y="0"/>
+          <a:chExt cx="0" cy="0"/>
+        </a:xfrm>
+      </p:grpSpPr>
+      <p:sp>
+        <p:nvSpPr>
+          <p:cNvPr id="2" name="Titre 1">
+            <a:extLst>
+              <a:ext uri="{FF2B5EF4-FFF2-40B4-BE49-F238E27FC236}">
+                <a16:creationId xmlns:a16="http://schemas.microsoft.com/office/drawing/2014/main" id="{C8A4BDE7-E03C-2A43-80DE-ABA87CE64B11}"/>
+              </a:ext>
+            </a:extLst>
+          </p:cNvPr>
+          <p:cNvSpPr>
+            <a:spLocks noGrp="1"/>
+          </p:cNvSpPr>
+          <p:nvPr>
+            <p:ph type="title"/>
+          </p:nvPr>
+        </p:nvSpPr>
+        <p:spPr/>
+        <p:txBody>
+          <a:bodyPr/>
+          <a:lstStyle/>
+          <a:p>
+            <a:r>
+              <a:rPr lang="fr-FR" dirty="0"/>
+              <a:t>Analyse données CHU</a:t>
+            </a:r>
+          </a:p>
+        </p:txBody>
+      </p:sp>
+      <p:pic>
+        <p:nvPicPr>
+          <p:cNvPr id="4" name="Espace réservé du contenu 3">
+            <a:extLst>
+              <a:ext uri="{FF2B5EF4-FFF2-40B4-BE49-F238E27FC236}">
+                <a16:creationId xmlns:a16="http://schemas.microsoft.com/office/drawing/2014/main" id="{897C6CDB-EC12-8E44-A7DB-ED3F500EB55D}"/>
+              </a:ext>
+            </a:extLst>
+          </p:cNvPr>
+          <p:cNvPicPr>
+            <a:picLocks noGrp="1" noChangeAspect="1"/>
+          </p:cNvPicPr>
+          <p:nvPr>
+            <p:ph idx="1"/>
+          </p:nvPr>
+        </p:nvPicPr>
+        <p:blipFill>
+          <a:blip r:embed="rId2"/>
+          <a:stretch>
+            <a:fillRect/>
+          </a:stretch>
+        </p:blipFill>
+        <p:spPr>
+          <a:xfrm>
+            <a:off x="838200" y="1940379"/>
+            <a:ext cx="4762500" cy="3314700"/>
+          </a:xfrm>
+          <a:prstGeom prst="rect">
+            <a:avLst/>
+          </a:prstGeom>
+        </p:spPr>
+      </p:pic>
+      <p:pic>
+        <p:nvPicPr>
+          <p:cNvPr id="5" name="Image 4">
+            <a:extLst>
+              <a:ext uri="{FF2B5EF4-FFF2-40B4-BE49-F238E27FC236}">
+                <a16:creationId xmlns:a16="http://schemas.microsoft.com/office/drawing/2014/main" id="{16A14DFE-E740-A346-817D-A311F3E40C64}"/>
+              </a:ext>
+            </a:extLst>
+          </p:cNvPr>
+          <p:cNvPicPr>
+            <a:picLocks noChangeAspect="1"/>
+          </p:cNvPicPr>
+          <p:nvPr/>
+        </p:nvPicPr>
+        <p:blipFill>
+          <a:blip r:embed="rId3"/>
+          <a:stretch>
+            <a:fillRect/>
+          </a:stretch>
+        </p:blipFill>
+        <p:spPr>
+          <a:xfrm>
+            <a:off x="6986815" y="152400"/>
+            <a:ext cx="4749800" cy="3276600"/>
+          </a:xfrm>
+          <a:prstGeom prst="rect">
+            <a:avLst/>
+          </a:prstGeom>
+        </p:spPr>
+      </p:pic>
+      <p:pic>
+        <p:nvPicPr>
+          <p:cNvPr id="6" name="Image 5">
+            <a:extLst>
+              <a:ext uri="{FF2B5EF4-FFF2-40B4-BE49-F238E27FC236}">
+                <a16:creationId xmlns:a16="http://schemas.microsoft.com/office/drawing/2014/main" id="{EE4A6BF2-26B1-7844-9855-9377D01A905C}"/>
+              </a:ext>
+            </a:extLst>
+          </p:cNvPr>
+          <p:cNvPicPr>
+            <a:picLocks noChangeAspect="1"/>
+          </p:cNvPicPr>
+          <p:nvPr/>
+        </p:nvPicPr>
+        <p:blipFill>
+          <a:blip r:embed="rId4"/>
+          <a:stretch>
+            <a:fillRect/>
+          </a:stretch>
+        </p:blipFill>
+        <p:spPr>
+          <a:xfrm>
+            <a:off x="6986815" y="3216275"/>
+            <a:ext cx="4864100" cy="3276600"/>
+          </a:xfrm>
+          <a:prstGeom prst="rect">
+            <a:avLst/>
+          </a:prstGeom>
+        </p:spPr>
+      </p:pic>
+      <p:sp>
+        <p:nvSpPr>
+          <p:cNvPr id="7" name="ZoneTexte 6">
+            <a:extLst>
+              <a:ext uri="{FF2B5EF4-FFF2-40B4-BE49-F238E27FC236}">
+                <a16:creationId xmlns:a16="http://schemas.microsoft.com/office/drawing/2014/main" id="{E48D9155-02FB-0D42-8130-C8E1F1B74665}"/>
+              </a:ext>
+            </a:extLst>
+          </p:cNvPr>
+          <p:cNvSpPr txBox="1"/>
+          <p:nvPr/>
+        </p:nvSpPr>
+        <p:spPr>
+          <a:xfrm>
+            <a:off x="4857751" y="4250872"/>
+            <a:ext cx="418704" cy="369332"/>
+          </a:xfrm>
+          <a:prstGeom prst="rect">
+            <a:avLst/>
+          </a:prstGeom>
+          <a:noFill/>
+        </p:spPr>
+        <p:txBody>
+          <a:bodyPr wrap="none" rtlCol="0">
+            <a:spAutoFit/>
+          </a:bodyPr>
+          <a:lstStyle/>
+          <a:p>
+            <a:r>
+              <a:rPr lang="fr-FR" dirty="0"/>
+              <a:t>12</a:t>
+            </a:r>
+          </a:p>
+        </p:txBody>
+      </p:sp>
+      <p:sp>
+        <p:nvSpPr>
+          <p:cNvPr id="8" name="ZoneTexte 7">
+            <a:extLst>
+              <a:ext uri="{FF2B5EF4-FFF2-40B4-BE49-F238E27FC236}">
+                <a16:creationId xmlns:a16="http://schemas.microsoft.com/office/drawing/2014/main" id="{16E67151-2F65-F44B-9312-07358885D5A3}"/>
+              </a:ext>
+            </a:extLst>
+          </p:cNvPr>
+          <p:cNvSpPr txBox="1"/>
+          <p:nvPr/>
+        </p:nvSpPr>
+        <p:spPr>
+          <a:xfrm>
+            <a:off x="9290958" y="2481942"/>
+            <a:ext cx="1373902" cy="369332"/>
+          </a:xfrm>
+          <a:prstGeom prst="rect">
+            <a:avLst/>
+          </a:prstGeom>
+          <a:noFill/>
+        </p:spPr>
+        <p:txBody>
+          <a:bodyPr wrap="none" rtlCol="0">
+            <a:spAutoFit/>
+          </a:bodyPr>
+          <a:lstStyle/>
+          <a:p>
+            <a:r>
+              <a:rPr lang="fr-FR" dirty="0"/>
+              <a:t>Marche_p_5</a:t>
+            </a:r>
+          </a:p>
+        </p:txBody>
+      </p:sp>
+      <p:sp>
+        <p:nvSpPr>
+          <p:cNvPr id="9" name="ZoneTexte 8">
+            <a:extLst>
+              <a:ext uri="{FF2B5EF4-FFF2-40B4-BE49-F238E27FC236}">
+                <a16:creationId xmlns:a16="http://schemas.microsoft.com/office/drawing/2014/main" id="{D8A3B855-906D-6B49-87D0-A30AE9DF64D5}"/>
+              </a:ext>
+            </a:extLst>
+          </p:cNvPr>
+          <p:cNvSpPr txBox="1"/>
+          <p:nvPr/>
+        </p:nvSpPr>
+        <p:spPr>
+          <a:xfrm>
+            <a:off x="8147407" y="5439745"/>
+            <a:ext cx="891398" cy="369332"/>
+          </a:xfrm>
+          <a:prstGeom prst="rect">
+            <a:avLst/>
+          </a:prstGeom>
+          <a:noFill/>
+        </p:spPr>
+        <p:txBody>
+          <a:bodyPr wrap="none" rtlCol="0">
+            <a:spAutoFit/>
+          </a:bodyPr>
+          <a:lstStyle/>
+          <a:p>
+            <a:r>
+              <a:rPr lang="fr-FR" dirty="0"/>
+              <a:t>marche</a:t>
+            </a:r>
+          </a:p>
+        </p:txBody>
+      </p:sp>
+    </p:spTree>
+    <p:extLst>
+      <p:ext uri="{BB962C8B-B14F-4D97-AF65-F5344CB8AC3E}">
+        <p14:creationId xmlns:p14="http://schemas.microsoft.com/office/powerpoint/2010/main" val="700977923"/>
       </p:ext>
     </p:extLst>
   </p:cSld>
